--- a/doc/acl.pptx
+++ b/doc/acl.pptx
@@ -307,7 +307,8 @@
           <a:p>
             <a:fld id="{6A1E91B6-4D00-4098-943A-0D973440C0B8}" type="datetimeFigureOut">
               <a:rPr lang="zh-CN" altLang="en-US" smtClean="0"/>
-              <a:t>2013/7/16</a:t>
+              <a:pPr/>
+              <a:t>2013/7/17</a:t>
             </a:fld>
             <a:endParaRPr lang="zh-CN" altLang="en-US"/>
           </a:p>
@@ -354,6 +355,7 @@
           <a:p>
             <a:fld id="{90EBB770-2C60-4710-856D-6086DEEC6FA9}" type="slidenum">
               <a:rPr lang="zh-CN" altLang="en-US" smtClean="0"/>
+              <a:pPr/>
               <a:t>‹#›</a:t>
             </a:fld>
             <a:endParaRPr lang="zh-CN" altLang="en-US"/>
@@ -477,7 +479,8 @@
           <a:p>
             <a:fld id="{6A1E91B6-4D00-4098-943A-0D973440C0B8}" type="datetimeFigureOut">
               <a:rPr lang="zh-CN" altLang="en-US" smtClean="0"/>
-              <a:t>2013/7/16</a:t>
+              <a:pPr/>
+              <a:t>2013/7/17</a:t>
             </a:fld>
             <a:endParaRPr lang="zh-CN" altLang="en-US"/>
           </a:p>
@@ -519,6 +522,7 @@
           <a:p>
             <a:fld id="{90EBB770-2C60-4710-856D-6086DEEC6FA9}" type="slidenum">
               <a:rPr lang="zh-CN" altLang="en-US" smtClean="0"/>
+              <a:pPr/>
               <a:t>‹#›</a:t>
             </a:fld>
             <a:endParaRPr lang="zh-CN" altLang="en-US"/>
@@ -652,7 +656,8 @@
           <a:p>
             <a:fld id="{6A1E91B6-4D00-4098-943A-0D973440C0B8}" type="datetimeFigureOut">
               <a:rPr lang="zh-CN" altLang="en-US" smtClean="0"/>
-              <a:t>2013/7/16</a:t>
+              <a:pPr/>
+              <a:t>2013/7/17</a:t>
             </a:fld>
             <a:endParaRPr lang="zh-CN" altLang="en-US"/>
           </a:p>
@@ -694,6 +699,7 @@
           <a:p>
             <a:fld id="{90EBB770-2C60-4710-856D-6086DEEC6FA9}" type="slidenum">
               <a:rPr lang="zh-CN" altLang="en-US" smtClean="0"/>
+              <a:pPr/>
               <a:t>‹#›</a:t>
             </a:fld>
             <a:endParaRPr lang="zh-CN" altLang="en-US"/>
@@ -817,7 +823,8 @@
           <a:p>
             <a:fld id="{6A1E91B6-4D00-4098-943A-0D973440C0B8}" type="datetimeFigureOut">
               <a:rPr lang="zh-CN" altLang="en-US" smtClean="0"/>
-              <a:t>2013/7/16</a:t>
+              <a:pPr/>
+              <a:t>2013/7/17</a:t>
             </a:fld>
             <a:endParaRPr lang="zh-CN" altLang="en-US"/>
           </a:p>
@@ -869,6 +876,7 @@
           <a:p>
             <a:fld id="{90EBB770-2C60-4710-856D-6086DEEC6FA9}" type="slidenum">
               <a:rPr lang="zh-CN" altLang="en-US" smtClean="0"/>
+              <a:pPr/>
               <a:t>‹#›</a:t>
             </a:fld>
             <a:endParaRPr lang="zh-CN" altLang="en-US"/>
@@ -1051,7 +1059,8 @@
           <a:p>
             <a:fld id="{6A1E91B6-4D00-4098-943A-0D973440C0B8}" type="datetimeFigureOut">
               <a:rPr lang="zh-CN" altLang="en-US" smtClean="0"/>
-              <a:t>2013/7/16</a:t>
+              <a:pPr/>
+              <a:t>2013/7/17</a:t>
             </a:fld>
             <a:endParaRPr lang="zh-CN" altLang="en-US"/>
           </a:p>
@@ -1093,6 +1102,7 @@
           <a:p>
             <a:fld id="{90EBB770-2C60-4710-856D-6086DEEC6FA9}" type="slidenum">
               <a:rPr lang="zh-CN" altLang="en-US" smtClean="0"/>
+              <a:pPr/>
               <a:t>‹#›</a:t>
             </a:fld>
             <a:endParaRPr lang="zh-CN" altLang="en-US"/>
@@ -1347,7 +1357,8 @@
           <a:p>
             <a:fld id="{6A1E91B6-4D00-4098-943A-0D973440C0B8}" type="datetimeFigureOut">
               <a:rPr lang="zh-CN" altLang="en-US" smtClean="0"/>
-              <a:t>2013/7/16</a:t>
+              <a:pPr/>
+              <a:t>2013/7/17</a:t>
             </a:fld>
             <a:endParaRPr lang="zh-CN" altLang="en-US"/>
           </a:p>
@@ -1389,6 +1400,7 @@
           <a:p>
             <a:fld id="{90EBB770-2C60-4710-856D-6086DEEC6FA9}" type="slidenum">
               <a:rPr lang="zh-CN" altLang="en-US" smtClean="0"/>
+              <a:pPr/>
               <a:t>‹#›</a:t>
             </a:fld>
             <a:endParaRPr lang="zh-CN" altLang="en-US"/>
@@ -1731,7 +1743,8 @@
           <a:p>
             <a:fld id="{6A1E91B6-4D00-4098-943A-0D973440C0B8}" type="datetimeFigureOut">
               <a:rPr lang="zh-CN" altLang="en-US" smtClean="0"/>
-              <a:t>2013/7/16</a:t>
+              <a:pPr/>
+              <a:t>2013/7/17</a:t>
             </a:fld>
             <a:endParaRPr lang="zh-CN" altLang="en-US"/>
           </a:p>
@@ -1778,6 +1791,7 @@
           <a:p>
             <a:fld id="{90EBB770-2C60-4710-856D-6086DEEC6FA9}" type="slidenum">
               <a:rPr lang="zh-CN" altLang="en-US" smtClean="0"/>
+              <a:pPr/>
               <a:t>‹#›</a:t>
             </a:fld>
             <a:endParaRPr lang="zh-CN" altLang="en-US"/>
@@ -1904,7 +1918,8 @@
           <a:p>
             <a:fld id="{6A1E91B6-4D00-4098-943A-0D973440C0B8}" type="datetimeFigureOut">
               <a:rPr lang="zh-CN" altLang="en-US" smtClean="0"/>
-              <a:t>2013/7/16</a:t>
+              <a:pPr/>
+              <a:t>2013/7/17</a:t>
             </a:fld>
             <a:endParaRPr lang="zh-CN" altLang="en-US"/>
           </a:p>
@@ -1946,6 +1961,7 @@
           <a:p>
             <a:fld id="{90EBB770-2C60-4710-856D-6086DEEC6FA9}" type="slidenum">
               <a:rPr lang="zh-CN" altLang="en-US" smtClean="0"/>
+              <a:pPr/>
               <a:t>‹#›</a:t>
             </a:fld>
             <a:endParaRPr lang="zh-CN" altLang="en-US"/>
@@ -1994,7 +2010,8 @@
           <a:p>
             <a:fld id="{6A1E91B6-4D00-4098-943A-0D973440C0B8}" type="datetimeFigureOut">
               <a:rPr lang="zh-CN" altLang="en-US" smtClean="0"/>
-              <a:t>2013/7/16</a:t>
+              <a:pPr/>
+              <a:t>2013/7/17</a:t>
             </a:fld>
             <a:endParaRPr lang="zh-CN" altLang="en-US"/>
           </a:p>
@@ -2036,6 +2053,7 @@
           <a:p>
             <a:fld id="{90EBB770-2C60-4710-856D-6086DEEC6FA9}" type="slidenum">
               <a:rPr lang="zh-CN" altLang="en-US" smtClean="0"/>
+              <a:pPr/>
               <a:t>‹#›</a:t>
             </a:fld>
             <a:endParaRPr lang="zh-CN" altLang="en-US"/>
@@ -2289,7 +2307,8 @@
           <a:p>
             <a:fld id="{6A1E91B6-4D00-4098-943A-0D973440C0B8}" type="datetimeFigureOut">
               <a:rPr lang="zh-CN" altLang="en-US" smtClean="0"/>
-              <a:t>2013/7/16</a:t>
+              <a:pPr/>
+              <a:t>2013/7/17</a:t>
             </a:fld>
             <a:endParaRPr lang="zh-CN" altLang="en-US"/>
           </a:p>
@@ -2331,6 +2350,7 @@
           <a:p>
             <a:fld id="{90EBB770-2C60-4710-856D-6086DEEC6FA9}" type="slidenum">
               <a:rPr lang="zh-CN" altLang="en-US" smtClean="0"/>
+              <a:pPr/>
               <a:t>‹#›</a:t>
             </a:fld>
             <a:endParaRPr lang="zh-CN" altLang="en-US"/>
@@ -2423,7 +2443,8 @@
           <a:p>
             <a:fld id="{6A1E91B6-4D00-4098-943A-0D973440C0B8}" type="datetimeFigureOut">
               <a:rPr lang="zh-CN" altLang="en-US" smtClean="0"/>
-              <a:t>2013/7/16</a:t>
+              <a:pPr/>
+              <a:t>2013/7/17</a:t>
             </a:fld>
             <a:endParaRPr lang="zh-CN" altLang="en-US"/>
           </a:p>
@@ -2465,6 +2486,7 @@
           <a:p>
             <a:fld id="{90EBB770-2C60-4710-856D-6086DEEC6FA9}" type="slidenum">
               <a:rPr lang="zh-CN" altLang="en-US" smtClean="0"/>
+              <a:pPr/>
               <a:t>‹#›</a:t>
             </a:fld>
             <a:endParaRPr lang="zh-CN" altLang="en-US"/>
@@ -2726,7 +2748,8 @@
           <a:p>
             <a:fld id="{6A1E91B6-4D00-4098-943A-0D973440C0B8}" type="datetimeFigureOut">
               <a:rPr lang="zh-CN" altLang="en-US" smtClean="0"/>
-              <a:t>2013/7/16</a:t>
+              <a:pPr/>
+              <a:t>2013/7/17</a:t>
             </a:fld>
             <a:endParaRPr lang="zh-CN" altLang="en-US"/>
           </a:p>
@@ -2804,6 +2827,7 @@
           <a:p>
             <a:fld id="{90EBB770-2C60-4710-856D-6086DEEC6FA9}" type="slidenum">
               <a:rPr lang="zh-CN" altLang="en-US" smtClean="0"/>
+              <a:pPr/>
               <a:t>‹#›</a:t>
             </a:fld>
             <a:endParaRPr lang="zh-CN" altLang="en-US"/>
@@ -5408,11 +5432,7 @@
             </a:r>
             <a:r>
               <a:rPr lang="en-US" altLang="zh-CN" dirty="0" smtClean="0"/>
-              <a:t>(C++</a:t>
-            </a:r>
-            <a:r>
-              <a:rPr lang="en-US" altLang="zh-CN" dirty="0" smtClean="0"/>
-              <a:t>)</a:t>
+              <a:t>(C++)</a:t>
             </a:r>
             <a:endParaRPr lang="zh-CN" altLang="en-US" dirty="0"/>
           </a:p>
@@ -5610,11 +5630,7 @@
             </a:r>
             <a:r>
               <a:rPr lang="zh-CN" altLang="en-US" dirty="0" smtClean="0"/>
-              <a:t>编程</a:t>
-            </a:r>
-            <a:r>
-              <a:rPr lang="zh-CN" altLang="en-US" dirty="0" smtClean="0"/>
-              <a:t>示例</a:t>
+              <a:t>编程示例</a:t>
             </a:r>
             <a:endParaRPr lang="zh-CN" altLang="en-US" dirty="0"/>
           </a:p>
@@ -5720,15 +5736,7 @@
           <a:p>
             <a:r>
               <a:rPr lang="zh-CN" altLang="en-US" dirty="0" smtClean="0"/>
-              <a:t>一个</a:t>
-            </a:r>
-            <a:r>
-              <a:rPr lang="zh-CN" altLang="en-US" dirty="0" smtClean="0"/>
-              <a:t>简单的网络</a:t>
-            </a:r>
-            <a:r>
-              <a:rPr lang="zh-CN" altLang="en-US" dirty="0" smtClean="0"/>
-              <a:t>客户端</a:t>
+              <a:t>一个简单的网络客户端</a:t>
             </a:r>
             <a:endParaRPr lang="zh-CN" altLang="en-US" dirty="0"/>
           </a:p>
@@ -5778,7 +5786,6 @@
               <a:rPr lang="en-US" altLang="zh-CN" sz="1200" dirty="0" smtClean="0"/>
               <a:t>{</a:t>
             </a:r>
-            <a:endParaRPr lang="en-US" altLang="zh-CN" sz="1200" dirty="0" smtClean="0"/>
           </a:p>
           <a:p>
             <a:pPr lvl="1"/>
@@ -5930,19 +5937,11 @@
             </a:r>
             <a:r>
               <a:rPr lang="en-US" altLang="zh-CN" sz="1200" dirty="0" smtClean="0"/>
-              <a:t>) == false) </a:t>
-            </a:r>
-            <a:r>
-              <a:rPr lang="en-US" altLang="zh-CN" sz="1200" dirty="0" smtClean="0"/>
-              <a:t>// </a:t>
+              <a:t>) == false) // </a:t>
             </a:r>
             <a:r>
               <a:rPr lang="zh-CN" altLang="en-US" sz="1200" dirty="0" smtClean="0"/>
-              <a:t>连接</a:t>
-            </a:r>
-            <a:r>
-              <a:rPr lang="zh-CN" altLang="en-US" sz="1200" dirty="0" smtClean="0"/>
-              <a:t>服务器</a:t>
+              <a:t>连接服务器</a:t>
             </a:r>
             <a:endParaRPr lang="en-US" altLang="zh-CN" sz="1200" dirty="0" smtClean="0"/>
           </a:p>
@@ -5998,19 +5997,11 @@
             </a:r>
             <a:r>
               <a:rPr lang="en-US" altLang="zh-CN" sz="1200" dirty="0" smtClean="0"/>
-              <a:t>(“hello world\r\n”) == -1) </a:t>
-            </a:r>
-            <a:r>
-              <a:rPr lang="en-US" altLang="zh-CN" sz="1200" dirty="0" smtClean="0"/>
-              <a:t>// </a:t>
+              <a:t>(“hello world\r\n”) == -1) // </a:t>
             </a:r>
             <a:r>
               <a:rPr lang="zh-CN" altLang="en-US" sz="1200" dirty="0" smtClean="0"/>
-              <a:t>向服务端写入一行</a:t>
-            </a:r>
-            <a:r>
-              <a:rPr lang="zh-CN" altLang="en-US" sz="1200" dirty="0" smtClean="0"/>
-              <a:t>数据</a:t>
+              <a:t>向服务端写入一行数据</a:t>
             </a:r>
             <a:endParaRPr lang="en-US" altLang="zh-CN" sz="1200" dirty="0" smtClean="0"/>
           </a:p>
@@ -6098,11 +6089,7 @@
             </a:r>
             <a:r>
               <a:rPr lang="en-US" altLang="zh-CN" sz="1200" dirty="0" smtClean="0"/>
-              <a:t>, true) == false) </a:t>
-            </a:r>
-            <a:r>
-              <a:rPr lang="en-US" altLang="zh-CN" sz="1200" dirty="0" smtClean="0"/>
-              <a:t>// </a:t>
+              <a:t>, true) == false) // </a:t>
             </a:r>
             <a:r>
               <a:rPr lang="zh-CN" altLang="en-US" sz="1200" dirty="0" smtClean="0"/>
@@ -6427,7 +6414,7 @@
         <p:spPr>
           <a:xfrm>
             <a:off x="457200" y="1484784"/>
-            <a:ext cx="4114800" cy="5184576"/>
+            <a:ext cx="4258816" cy="5184576"/>
           </a:xfrm>
         </p:spPr>
         <p:txBody>
@@ -6509,11 +6496,7 @@
             </a:r>
             <a:r>
               <a:rPr lang="en-US" altLang="zh-CN" sz="1200" dirty="0" smtClean="0"/>
-              <a:t>) == false) </a:t>
-            </a:r>
-            <a:r>
-              <a:rPr lang="en-US" altLang="zh-CN" sz="1200" dirty="0" smtClean="0"/>
-              <a:t>// </a:t>
+              <a:t>) == false) // </a:t>
             </a:r>
             <a:r>
               <a:rPr lang="zh-CN" altLang="en-US" sz="1200" dirty="0" smtClean="0"/>
@@ -6575,11 +6558,7 @@
             <a:pPr lvl="2"/>
             <a:r>
               <a:rPr lang="en-US" altLang="zh-CN" sz="1200" dirty="0" smtClean="0"/>
-              <a:t>r</a:t>
-            </a:r>
-            <a:r>
-              <a:rPr lang="en-US" altLang="zh-CN" sz="1200" dirty="0" smtClean="0"/>
-              <a:t>eturn false;</a:t>
+              <a:t>return false;</a:t>
             </a:r>
           </a:p>
           <a:p>
@@ -6593,11 +6572,7 @@
             <a:pPr lvl="1"/>
             <a:r>
               <a:rPr lang="en-US" altLang="zh-CN" sz="1200" dirty="0" smtClean="0"/>
-              <a:t>while (true) </a:t>
-            </a:r>
-            <a:r>
-              <a:rPr lang="en-US" altLang="zh-CN" sz="1200" dirty="0" smtClean="0"/>
-              <a:t>// </a:t>
+              <a:t>while (true) // </a:t>
             </a:r>
             <a:r>
               <a:rPr lang="zh-CN" altLang="en-US" sz="1200" dirty="0" smtClean="0"/>
@@ -6643,11 +6618,7 @@
             <a:pPr lvl="2"/>
             <a:r>
               <a:rPr lang="en-US" altLang="zh-CN" sz="1200" dirty="0" smtClean="0"/>
-              <a:t>i</a:t>
-            </a:r>
-            <a:r>
-              <a:rPr lang="en-US" altLang="zh-CN" sz="1200" dirty="0" smtClean="0"/>
-              <a:t>f (client == NULL)</a:t>
+              <a:t>if (client == NULL)</a:t>
             </a:r>
           </a:p>
           <a:p>
@@ -6691,11 +6662,7 @@
             <a:pPr lvl="3"/>
             <a:r>
               <a:rPr lang="en-US" altLang="zh-CN" sz="1200" dirty="0" smtClean="0"/>
-              <a:t>b</a:t>
-            </a:r>
-            <a:r>
-              <a:rPr lang="en-US" altLang="zh-CN" sz="1200" dirty="0" smtClean="0"/>
-              <a:t>reak;</a:t>
+              <a:t>break;</a:t>
             </a:r>
           </a:p>
           <a:p>
@@ -6731,11 +6698,7 @@
             </a:pPr>
             <a:r>
               <a:rPr lang="en-US" altLang="zh-CN" sz="1200" dirty="0" smtClean="0"/>
-              <a:t>d</a:t>
-            </a:r>
-            <a:r>
-              <a:rPr lang="en-US" altLang="zh-CN" sz="1200" dirty="0" smtClean="0"/>
-              <a:t>elete  client;  // </a:t>
+              <a:t>delete  client;  // </a:t>
             </a:r>
             <a:r>
               <a:rPr lang="zh-CN" altLang="en-US" sz="1200" dirty="0" smtClean="0"/>
@@ -7633,11 +7596,7 @@
             </a:r>
             <a:r>
               <a:rPr lang="zh-CN" altLang="en-US" dirty="0" smtClean="0"/>
-              <a:t>框架服务器</a:t>
-            </a:r>
-            <a:r>
-              <a:rPr lang="zh-CN" altLang="en-US" dirty="0" smtClean="0"/>
-              <a:t>程序</a:t>
+              <a:t>框架服务器程序</a:t>
             </a:r>
             <a:endParaRPr lang="zh-CN" altLang="en-US" dirty="0"/>
           </a:p>
@@ -7861,13 +7820,7 @@
               <a:rPr lang="en-US" altLang="zh-CN" sz="2400" dirty="0" smtClean="0">
                 <a:hlinkClick r:id="rId2"/>
               </a:rPr>
-              <a:t>http://</a:t>
-            </a:r>
-            <a:r>
-              <a:rPr lang="en-US" altLang="zh-CN" sz="2400" dirty="0" smtClean="0">
-                <a:hlinkClick r:id="rId2"/>
-              </a:rPr>
-              <a:t>zsxxsz.iteye.com/blog/1851701</a:t>
+              <a:t>http://zsxxsz.iteye.com/blog/1851701</a:t>
             </a:r>
             <a:r>
               <a:rPr lang="zh-CN" altLang="en-US" sz="2400" dirty="0" smtClean="0"/>
@@ -7973,13 +7926,7 @@
               <a:rPr lang="en-US" altLang="zh-CN" sz="2400" dirty="0" smtClean="0">
                 <a:hlinkClick r:id="rId3"/>
               </a:rPr>
-              <a:t>http://</a:t>
-            </a:r>
-            <a:r>
-              <a:rPr lang="en-US" altLang="zh-CN" sz="2400" dirty="0" smtClean="0">
-                <a:hlinkClick r:id="rId3"/>
-              </a:rPr>
-              <a:t>zsxxsz.iteye.com/blog/1773413</a:t>
+              <a:t>http://zsxxsz.iteye.com/blog/1773413</a:t>
             </a:r>
             <a:r>
               <a:rPr lang="en-US" altLang="zh-CN" sz="2400" dirty="0" smtClean="0"/>
@@ -8048,11 +7995,7 @@
             </a:r>
             <a:r>
               <a:rPr lang="zh-CN" altLang="en-US" dirty="0" smtClean="0"/>
-              <a:t>编译</a:t>
-            </a:r>
-            <a:r>
-              <a:rPr lang="zh-CN" altLang="en-US" dirty="0" smtClean="0"/>
-              <a:t>安装</a:t>
+              <a:t>编译安装</a:t>
             </a:r>
             <a:endParaRPr lang="zh-CN" altLang="en-US" dirty="0"/>
           </a:p>
@@ -8388,11 +8331,7 @@
             </a:r>
             <a:r>
               <a:rPr lang="en-US" altLang="zh-CN" sz="3400" dirty="0" smtClean="0"/>
-              <a:t>, NULL, 5</a:t>
-            </a:r>
-            <a:r>
-              <a:rPr lang="en-US" altLang="zh-CN" sz="3400" dirty="0" smtClean="0"/>
-              <a:t>) </a:t>
+              <a:t>, NULL, 5) </a:t>
             </a:r>
             <a:r>
               <a:rPr lang="zh-CN" altLang="en-US" sz="3400" dirty="0" smtClean="0"/>
@@ -8427,11 +8366,7 @@
             </a:r>
             <a:r>
               <a:rPr lang="en-US" altLang="zh-CN" sz="2600" dirty="0" smtClean="0"/>
-              <a:t> --leak-check=yes -v </a:t>
-            </a:r>
-            <a:r>
-              <a:rPr lang="en-US" altLang="zh-CN" sz="2600" dirty="0" smtClean="0"/>
-              <a:t>./</a:t>
+              <a:t> --leak-check=yes -v ./</a:t>
             </a:r>
             <a:r>
               <a:rPr lang="en-US" altLang="zh-CN" sz="2600" dirty="0" err="1" smtClean="0"/>
@@ -8449,7 +8384,6 @@
               <a:rPr lang="en-US" altLang="zh-CN" sz="3400" dirty="0" smtClean="0"/>
               <a:t> listen on: 127.0.0.1:8888</a:t>
             </a:r>
-            <a:endParaRPr lang="en-US" altLang="zh-CN" sz="3400" dirty="0" smtClean="0"/>
           </a:p>
           <a:p>
             <a:r>
@@ -8619,13 +8553,7 @@
               <a:rPr lang="en-US" altLang="zh-CN" sz="2400" dirty="0" smtClean="0">
                 <a:hlinkClick r:id="rId2"/>
               </a:rPr>
-              <a:t>http://sourceforge.net/projects/acl</a:t>
-            </a:r>
-            <a:r>
-              <a:rPr lang="en-US" altLang="zh-CN" sz="2400" dirty="0" smtClean="0">
-                <a:hlinkClick r:id="rId2"/>
-              </a:rPr>
-              <a:t>/</a:t>
+              <a:t>http://sourceforge.net/projects/acl/</a:t>
             </a:r>
             <a:endParaRPr lang="en-US" altLang="zh-CN" sz="2400" dirty="0" smtClean="0"/>
           </a:p>
@@ -8644,11 +8572,7 @@
             </a:r>
             <a:r>
               <a:rPr lang="en-US" altLang="zh-CN" sz="2400" dirty="0" smtClean="0"/>
-              <a:t> svn://</a:t>
-            </a:r>
-            <a:r>
-              <a:rPr lang="en-US" altLang="zh-CN" sz="2400" dirty="0" smtClean="0"/>
-              <a:t>svn.code.sf.net/p/acl/code</a:t>
+              <a:t> svn://svn.code.sf.net/p/acl/code</a:t>
             </a:r>
           </a:p>
           <a:p>
@@ -9891,13 +9815,7 @@
               <a:rPr lang="en-US" altLang="zh-CN" sz="1600" dirty="0" smtClean="0">
                 <a:hlinkClick r:id="rId2"/>
               </a:rPr>
-              <a:t>http://</a:t>
-            </a:r>
-            <a:r>
-              <a:rPr lang="en-US" altLang="zh-CN" sz="1600" dirty="0" smtClean="0">
-                <a:hlinkClick r:id="rId2"/>
-              </a:rPr>
-              <a:t>www.searchtb.com/2012/09/tls.html</a:t>
+              <a:t>http://www.searchtb.com/2012/09/tls.html</a:t>
             </a:r>
             <a:r>
               <a:rPr lang="zh-CN" altLang="en-US" sz="2400" dirty="0" smtClean="0"/>
@@ -10007,11 +9925,7 @@
           <a:p>
             <a:r>
               <a:rPr lang="zh-CN" altLang="en-US" sz="2400" dirty="0" smtClean="0"/>
-              <a:t>主要</a:t>
-            </a:r>
-            <a:r>
-              <a:rPr lang="zh-CN" altLang="en-US" sz="2400" dirty="0" smtClean="0"/>
-              <a:t>包含 </a:t>
+              <a:t>主要包含 </a:t>
             </a:r>
             <a:r>
               <a:rPr lang="en-US" altLang="zh-CN" sz="2400" dirty="0" smtClean="0"/>
@@ -10019,11 +9933,7 @@
             </a:r>
             <a:r>
               <a:rPr lang="zh-CN" altLang="en-US" sz="2400" dirty="0" smtClean="0"/>
-              <a:t>个库及大量</a:t>
-            </a:r>
-            <a:r>
-              <a:rPr lang="zh-CN" altLang="en-US" sz="2400" dirty="0" smtClean="0"/>
-              <a:t>示例，</a:t>
+              <a:t>个库及大量示例，</a:t>
             </a:r>
             <a:r>
               <a:rPr lang="en-US" altLang="zh-CN" sz="2400" dirty="0" smtClean="0"/>
@@ -10037,11 +9947,7 @@
           <a:p>
             <a:r>
               <a:rPr lang="en-US" altLang="zh-CN" sz="2400" dirty="0" smtClean="0"/>
-              <a:t>1</a:t>
-            </a:r>
-            <a:r>
-              <a:rPr lang="en-US" altLang="zh-CN" sz="2400" dirty="0" smtClean="0"/>
-              <a:t>) </a:t>
+              <a:t>1) </a:t>
             </a:r>
             <a:r>
               <a:rPr lang="en-US" altLang="zh-CN" sz="2400" dirty="0" err="1" smtClean="0"/>
@@ -10061,15 +9967,7 @@
             </a:r>
             <a:r>
               <a:rPr lang="zh-CN" altLang="en-US" sz="2400" dirty="0" smtClean="0"/>
-              <a:t>其它</a:t>
-            </a:r>
-            <a:r>
-              <a:rPr lang="zh-CN" altLang="en-US" sz="2400" dirty="0" smtClean="0"/>
-              <a:t>库均依赖于该</a:t>
-            </a:r>
-            <a:r>
-              <a:rPr lang="zh-CN" altLang="en-US" sz="2400" dirty="0" smtClean="0"/>
-              <a:t>库</a:t>
+              <a:t>其它库均依赖于该库</a:t>
             </a:r>
             <a:r>
               <a:rPr lang="en-US" altLang="zh-CN" sz="2400" dirty="0" smtClean="0"/>
@@ -10096,11 +9994,7 @@
           <a:p>
             <a:r>
               <a:rPr lang="en-US" altLang="zh-CN" sz="2400" dirty="0" smtClean="0"/>
-              <a:t>2</a:t>
-            </a:r>
-            <a:r>
-              <a:rPr lang="en-US" altLang="zh-CN" sz="2400" dirty="0" smtClean="0"/>
-              <a:t>) </a:t>
+              <a:t>2) </a:t>
             </a:r>
             <a:r>
               <a:rPr lang="en-US" altLang="zh-CN" sz="2400" dirty="0" err="1" smtClean="0"/>
@@ -10112,11 +10006,7 @@
             </a:r>
             <a:r>
               <a:rPr lang="zh-CN" altLang="en-US" sz="2400" dirty="0" smtClean="0"/>
-              <a:t>实现</a:t>
-            </a:r>
-            <a:r>
-              <a:rPr lang="zh-CN" altLang="en-US" sz="2400" dirty="0" smtClean="0"/>
-              <a:t>了 </a:t>
+              <a:t>实现了 </a:t>
             </a:r>
             <a:r>
               <a:rPr lang="en-US" altLang="zh-CN" sz="2400" dirty="0" smtClean="0"/>
@@ -10151,11 +10041,7 @@
           <a:p>
             <a:r>
               <a:rPr lang="en-US" altLang="zh-CN" sz="2400" dirty="0" smtClean="0"/>
-              <a:t>3</a:t>
-            </a:r>
-            <a:r>
-              <a:rPr lang="en-US" altLang="zh-CN" sz="2400" dirty="0" smtClean="0"/>
-              <a:t>) </a:t>
+              <a:t>3) </a:t>
             </a:r>
             <a:r>
               <a:rPr lang="en-US" altLang="zh-CN" sz="2400" dirty="0" err="1" smtClean="0"/>
@@ -10167,11 +10053,7 @@
             </a:r>
             <a:r>
               <a:rPr lang="zh-CN" altLang="en-US" sz="2400" dirty="0" smtClean="0"/>
-              <a:t>封装</a:t>
-            </a:r>
-            <a:r>
-              <a:rPr lang="zh-CN" altLang="en-US" sz="2400" dirty="0" smtClean="0"/>
-              <a:t>了 </a:t>
+              <a:t>封装了 </a:t>
             </a:r>
             <a:r>
               <a:rPr lang="en-US" altLang="zh-CN" sz="2400" dirty="0" err="1" smtClean="0"/>
@@ -10191,11 +10073,7 @@
             </a:r>
             <a:r>
               <a:rPr lang="zh-CN" altLang="en-US" sz="2400" dirty="0" smtClean="0"/>
-              <a:t>两个库，同时增加了一些其它有价值的</a:t>
-            </a:r>
-            <a:r>
-              <a:rPr lang="zh-CN" altLang="en-US" sz="2400" dirty="0" smtClean="0"/>
-              <a:t>功能</a:t>
+              <a:t>两个库，同时增加了一些其它有价值的功能</a:t>
             </a:r>
             <a:r>
               <a:rPr lang="en-US" altLang="zh-CN" sz="2400" dirty="0" smtClean="0"/>
@@ -10214,11 +10092,7 @@
           <a:p>
             <a:r>
               <a:rPr lang="en-US" altLang="zh-CN" sz="2400" dirty="0" smtClean="0"/>
-              <a:t>4</a:t>
-            </a:r>
-            <a:r>
-              <a:rPr lang="en-US" altLang="zh-CN" sz="2400" dirty="0" smtClean="0"/>
-              <a:t>) </a:t>
+              <a:t>4) </a:t>
             </a:r>
             <a:r>
               <a:rPr lang="en-US" altLang="zh-CN" sz="2400" dirty="0" err="1" smtClean="0"/>
@@ -10230,11 +10104,7 @@
             </a:r>
             <a:r>
               <a:rPr lang="zh-CN" altLang="en-US" sz="2400" dirty="0" smtClean="0"/>
-              <a:t>实现</a:t>
-            </a:r>
-            <a:r>
-              <a:rPr lang="zh-CN" altLang="en-US" sz="2400" dirty="0" smtClean="0"/>
-              <a:t>了 </a:t>
+              <a:t>实现了 </a:t>
             </a:r>
             <a:r>
               <a:rPr lang="en-US" altLang="zh-CN" sz="2400" dirty="0" smtClean="0"/>
@@ -10242,15 +10112,7 @@
             </a:r>
             <a:r>
               <a:rPr lang="zh-CN" altLang="en-US" sz="2400" dirty="0" smtClean="0"/>
-              <a:t>的字典式存储库，该</a:t>
-            </a:r>
-            <a:r>
-              <a:rPr lang="zh-CN" altLang="en-US" sz="2400" dirty="0" smtClean="0"/>
-              <a:t>库还</a:t>
-            </a:r>
-            <a:r>
-              <a:rPr lang="zh-CN" altLang="en-US" sz="2400" dirty="0" smtClean="0"/>
-              <a:t>依赖于 </a:t>
+              <a:t>的字典式存储库，该库还依赖于 </a:t>
             </a:r>
             <a:r>
               <a:rPr lang="en-US" altLang="zh-CN" sz="2400" dirty="0" smtClean="0"/>
@@ -10280,16 +10142,11 @@
               <a:rPr lang="zh-CN" altLang="en-US" sz="2400" dirty="0" smtClean="0"/>
               <a:t>语言）</a:t>
             </a:r>
-            <a:endParaRPr lang="zh-CN" altLang="en-US" sz="2400" dirty="0" smtClean="0"/>
-          </a:p>
-          <a:p>
-            <a:r>
-              <a:rPr lang="en-US" altLang="zh-CN" sz="2400" dirty="0" smtClean="0"/>
-              <a:t>5</a:t>
-            </a:r>
-            <a:r>
-              <a:rPr lang="en-US" altLang="zh-CN" sz="2400" dirty="0" smtClean="0"/>
-              <a:t>) </a:t>
+          </a:p>
+          <a:p>
+            <a:r>
+              <a:rPr lang="en-US" altLang="zh-CN" sz="2400" dirty="0" smtClean="0"/>
+              <a:t>5) </a:t>
             </a:r>
             <a:r>
               <a:rPr lang="en-US" altLang="zh-CN" sz="2400" dirty="0" err="1" smtClean="0"/>
@@ -10301,11 +10158,7 @@
             </a:r>
             <a:r>
               <a:rPr lang="zh-CN" altLang="en-US" sz="2400" dirty="0" smtClean="0"/>
-              <a:t>封装</a:t>
-            </a:r>
-            <a:r>
-              <a:rPr lang="zh-CN" altLang="en-US" sz="2400" dirty="0" smtClean="0"/>
-              <a:t>了 </a:t>
+              <a:t>封装了 </a:t>
             </a:r>
             <a:r>
               <a:rPr lang="en-US" altLang="zh-CN" sz="2400" dirty="0" err="1" smtClean="0"/>
@@ -10331,7 +10184,6 @@
               <a:rPr lang="en-US" altLang="zh-CN" sz="2400" dirty="0" smtClean="0"/>
               <a:t>)</a:t>
             </a:r>
-            <a:endParaRPr lang="en-US" altLang="zh-CN" sz="2400" dirty="0" smtClean="0"/>
           </a:p>
           <a:p>
             <a:r>
@@ -10352,11 +10204,7 @@
             </a:r>
             <a:r>
               <a:rPr lang="en-US" altLang="zh-CN" sz="2400" dirty="0" smtClean="0"/>
-              <a:t> </a:t>
-            </a:r>
-            <a:r>
-              <a:rPr lang="en-US" altLang="zh-CN" sz="2400" dirty="0" smtClean="0"/>
-              <a:t>protocol-buffer(C++)</a:t>
+              <a:t> protocol-buffer(C++)</a:t>
             </a:r>
             <a:endParaRPr lang="zh-CN" altLang="en-US" sz="2400" dirty="0"/>
           </a:p>
@@ -10834,11 +10682,7 @@
           <a:p>
             <a:r>
               <a:rPr lang="en-US" altLang="zh-CN" sz="2400" dirty="0" err="1" smtClean="0"/>
-              <a:t>s</a:t>
-            </a:r>
-            <a:r>
-              <a:rPr lang="en-US" altLang="zh-CN" sz="2400" dirty="0" err="1" smtClean="0"/>
-              <a:t>mtp</a:t>
+              <a:t>smtp</a:t>
             </a:r>
             <a:r>
               <a:rPr lang="en-US" altLang="zh-CN" sz="2400" dirty="0" smtClean="0"/>
@@ -11256,11 +11100,7 @@
           <a:p>
             <a:r>
               <a:rPr lang="en-US" altLang="zh-CN" sz="6800" dirty="0" err="1" smtClean="0"/>
-              <a:t>i</a:t>
-            </a:r>
-            <a:r>
-              <a:rPr lang="en-US" altLang="zh-CN" sz="6800" dirty="0" err="1" smtClean="0"/>
-              <a:t>pc</a:t>
+              <a:t>ipc</a:t>
             </a:r>
             <a:r>
               <a:rPr lang="en-US" altLang="zh-CN" sz="6800" dirty="0" smtClean="0"/>

--- a/doc/acl.pptx
+++ b/doc/acl.pptx
@@ -308,7 +308,7 @@
             <a:fld id="{6A1E91B6-4D00-4098-943A-0D973440C0B8}" type="datetimeFigureOut">
               <a:rPr lang="zh-CN" altLang="en-US" smtClean="0"/>
               <a:pPr/>
-              <a:t>2013/7/17</a:t>
+              <a:t>2013/7/18</a:t>
             </a:fld>
             <a:endParaRPr lang="zh-CN" altLang="en-US"/>
           </a:p>
@@ -480,7 +480,7 @@
             <a:fld id="{6A1E91B6-4D00-4098-943A-0D973440C0B8}" type="datetimeFigureOut">
               <a:rPr lang="zh-CN" altLang="en-US" smtClean="0"/>
               <a:pPr/>
-              <a:t>2013/7/17</a:t>
+              <a:t>2013/7/18</a:t>
             </a:fld>
             <a:endParaRPr lang="zh-CN" altLang="en-US"/>
           </a:p>
@@ -657,7 +657,7 @@
             <a:fld id="{6A1E91B6-4D00-4098-943A-0D973440C0B8}" type="datetimeFigureOut">
               <a:rPr lang="zh-CN" altLang="en-US" smtClean="0"/>
               <a:pPr/>
-              <a:t>2013/7/17</a:t>
+              <a:t>2013/7/18</a:t>
             </a:fld>
             <a:endParaRPr lang="zh-CN" altLang="en-US"/>
           </a:p>
@@ -824,7 +824,7 @@
             <a:fld id="{6A1E91B6-4D00-4098-943A-0D973440C0B8}" type="datetimeFigureOut">
               <a:rPr lang="zh-CN" altLang="en-US" smtClean="0"/>
               <a:pPr/>
-              <a:t>2013/7/17</a:t>
+              <a:t>2013/7/18</a:t>
             </a:fld>
             <a:endParaRPr lang="zh-CN" altLang="en-US"/>
           </a:p>
@@ -1060,7 +1060,7 @@
             <a:fld id="{6A1E91B6-4D00-4098-943A-0D973440C0B8}" type="datetimeFigureOut">
               <a:rPr lang="zh-CN" altLang="en-US" smtClean="0"/>
               <a:pPr/>
-              <a:t>2013/7/17</a:t>
+              <a:t>2013/7/18</a:t>
             </a:fld>
             <a:endParaRPr lang="zh-CN" altLang="en-US"/>
           </a:p>
@@ -1358,7 +1358,7 @@
             <a:fld id="{6A1E91B6-4D00-4098-943A-0D973440C0B8}" type="datetimeFigureOut">
               <a:rPr lang="zh-CN" altLang="en-US" smtClean="0"/>
               <a:pPr/>
-              <a:t>2013/7/17</a:t>
+              <a:t>2013/7/18</a:t>
             </a:fld>
             <a:endParaRPr lang="zh-CN" altLang="en-US"/>
           </a:p>
@@ -1744,7 +1744,7 @@
             <a:fld id="{6A1E91B6-4D00-4098-943A-0D973440C0B8}" type="datetimeFigureOut">
               <a:rPr lang="zh-CN" altLang="en-US" smtClean="0"/>
               <a:pPr/>
-              <a:t>2013/7/17</a:t>
+              <a:t>2013/7/18</a:t>
             </a:fld>
             <a:endParaRPr lang="zh-CN" altLang="en-US"/>
           </a:p>
@@ -1919,7 +1919,7 @@
             <a:fld id="{6A1E91B6-4D00-4098-943A-0D973440C0B8}" type="datetimeFigureOut">
               <a:rPr lang="zh-CN" altLang="en-US" smtClean="0"/>
               <a:pPr/>
-              <a:t>2013/7/17</a:t>
+              <a:t>2013/7/18</a:t>
             </a:fld>
             <a:endParaRPr lang="zh-CN" altLang="en-US"/>
           </a:p>
@@ -2011,7 +2011,7 @@
             <a:fld id="{6A1E91B6-4D00-4098-943A-0D973440C0B8}" type="datetimeFigureOut">
               <a:rPr lang="zh-CN" altLang="en-US" smtClean="0"/>
               <a:pPr/>
-              <a:t>2013/7/17</a:t>
+              <a:t>2013/7/18</a:t>
             </a:fld>
             <a:endParaRPr lang="zh-CN" altLang="en-US"/>
           </a:p>
@@ -2308,7 +2308,7 @@
             <a:fld id="{6A1E91B6-4D00-4098-943A-0D973440C0B8}" type="datetimeFigureOut">
               <a:rPr lang="zh-CN" altLang="en-US" smtClean="0"/>
               <a:pPr/>
-              <a:t>2013/7/17</a:t>
+              <a:t>2013/7/18</a:t>
             </a:fld>
             <a:endParaRPr lang="zh-CN" altLang="en-US"/>
           </a:p>
@@ -2444,7 +2444,7 @@
             <a:fld id="{6A1E91B6-4D00-4098-943A-0D973440C0B8}" type="datetimeFigureOut">
               <a:rPr lang="zh-CN" altLang="en-US" smtClean="0"/>
               <a:pPr/>
-              <a:t>2013/7/17</a:t>
+              <a:t>2013/7/18</a:t>
             </a:fld>
             <a:endParaRPr lang="zh-CN" altLang="en-US"/>
           </a:p>
@@ -2749,7 +2749,7 @@
             <a:fld id="{6A1E91B6-4D00-4098-943A-0D973440C0B8}" type="datetimeFigureOut">
               <a:rPr lang="zh-CN" altLang="en-US" smtClean="0"/>
               <a:pPr/>
-              <a:t>2013/7/17</a:t>
+              <a:t>2013/7/18</a:t>
             </a:fld>
             <a:endParaRPr lang="zh-CN" altLang="en-US"/>
           </a:p>
@@ -9775,12 +9775,12 @@
           </a:p>
           <a:p>
             <a:r>
-              <a:rPr lang="en-US" altLang="zh-CN" sz="2400" dirty="0" smtClean="0"/>
-              <a:t>263</a:t>
-            </a:r>
-            <a:r>
-              <a:rPr lang="zh-CN" altLang="en-US" sz="2400" dirty="0" smtClean="0"/>
-              <a:t>：反垃圾网关，用户认证等</a:t>
+              <a:rPr lang="zh-CN" altLang="en-US" sz="2400" dirty="0" smtClean="0"/>
+              <a:t>某企业应用：</a:t>
+            </a:r>
+            <a:r>
+              <a:rPr lang="zh-CN" altLang="en-US" sz="2400" dirty="0" smtClean="0"/>
+              <a:t>反垃圾网关，用户认证等</a:t>
             </a:r>
             <a:endParaRPr lang="en-US" altLang="zh-CN" sz="2400" dirty="0" smtClean="0"/>
           </a:p>
@@ -9841,7 +9841,15 @@
             </a:r>
             <a:r>
               <a:rPr lang="zh-CN" altLang="en-US" sz="2400" dirty="0" smtClean="0"/>
-              <a:t>？</a:t>
+              <a:t>？（目前已有人移植至</a:t>
+            </a:r>
+            <a:r>
+              <a:rPr lang="en-US" altLang="zh-CN" sz="2400" dirty="0" smtClean="0"/>
+              <a:t>arm</a:t>
+            </a:r>
+            <a:r>
+              <a:rPr lang="zh-CN" altLang="en-US" sz="2400" dirty="0" smtClean="0"/>
+              <a:t>，龙芯上）</a:t>
             </a:r>
             <a:endParaRPr lang="zh-CN" altLang="en-US" sz="2400" dirty="0"/>
           </a:p>
@@ -10262,12 +10270,12 @@
               <a:t>lib_acl</a:t>
             </a:r>
             <a:r>
-              <a:rPr lang="en-US" altLang="zh-CN" dirty="0" smtClean="0"/>
-              <a:t> </a:t>
-            </a:r>
-            <a:r>
               <a:rPr lang="zh-CN" altLang="en-US" dirty="0" smtClean="0"/>
-              <a:t>基础库</a:t>
+              <a:t>基础</a:t>
+            </a:r>
+            <a:r>
+              <a:rPr lang="zh-CN" altLang="en-US" dirty="0" smtClean="0"/>
+              <a:t>库</a:t>
             </a:r>
             <a:endParaRPr lang="zh-CN" altLang="en-US" dirty="0"/>
           </a:p>

--- a/doc/acl.pptx
+++ b/doc/acl.pptx
@@ -8588,22 +8588,45 @@
               <a:rPr lang="en-US" altLang="zh-CN" sz="2400" dirty="0" smtClean="0">
                 <a:hlinkClick r:id="rId3"/>
               </a:rPr>
-              <a:t>http://zsxxsz.iteye.com/</a:t>
+              <a:t>http://zsxxsz.iteye.com</a:t>
+            </a:r>
+            <a:r>
+              <a:rPr lang="en-US" altLang="zh-CN" sz="2400" dirty="0" smtClean="0">
+                <a:hlinkClick r:id="rId3"/>
+              </a:rPr>
+              <a:t>/</a:t>
             </a:r>
             <a:endParaRPr lang="en-US" altLang="zh-CN" sz="2400" dirty="0" smtClean="0"/>
           </a:p>
           <a:p>
             <a:r>
               <a:rPr lang="en-US" altLang="zh-CN" sz="2400" dirty="0" smtClean="0"/>
-              <a:t>ACL </a:t>
-            </a:r>
-            <a:r>
-              <a:rPr lang="zh-CN" altLang="en-US" sz="2400" dirty="0" smtClean="0"/>
-              <a:t>内网帮助：</a:t>
+              <a:t>ACL  API</a:t>
+            </a:r>
+            <a:r>
+              <a:rPr lang="zh-CN" altLang="en-US" sz="2400" dirty="0" smtClean="0"/>
+              <a:t>文档：</a:t>
             </a:r>
             <a:r>
               <a:rPr lang="en-US" altLang="zh-CN" sz="2400" dirty="0" smtClean="0">
                 <a:hlinkClick r:id="rId4"/>
+              </a:rPr>
+              <a:t>https://sourceforge.net/projects/acl/files/doc/</a:t>
+            </a:r>
+            <a:endParaRPr lang="en-US" altLang="zh-CN" sz="2400" dirty="0" smtClean="0"/>
+          </a:p>
+          <a:p>
+            <a:r>
+              <a:rPr lang="en-US" altLang="zh-CN" sz="2400" dirty="0" smtClean="0"/>
+              <a:t>ACL </a:t>
+            </a:r>
+            <a:r>
+              <a:rPr lang="zh-CN" altLang="en-US" sz="2400" dirty="0" smtClean="0"/>
+              <a:t>内网帮助：</a:t>
+            </a:r>
+            <a:r>
+              <a:rPr lang="en-US" altLang="zh-CN" sz="2400" dirty="0" smtClean="0">
+                <a:hlinkClick r:id="rId5"/>
               </a:rPr>
               <a:t> http://192.168.188.173:8081/help/</a:t>
             </a:r>
@@ -9776,11 +9799,7 @@
           <a:p>
             <a:r>
               <a:rPr lang="zh-CN" altLang="en-US" sz="2400" dirty="0" smtClean="0"/>
-              <a:t>某企业应用：</a:t>
-            </a:r>
-            <a:r>
-              <a:rPr lang="zh-CN" altLang="en-US" sz="2400" dirty="0" smtClean="0"/>
-              <a:t>反垃圾网关，用户认证等</a:t>
+              <a:t>某企业应用：反垃圾网关，用户认证等</a:t>
             </a:r>
             <a:endParaRPr lang="en-US" altLang="zh-CN" sz="2400" dirty="0" smtClean="0"/>
           </a:p>
@@ -10271,11 +10290,7 @@
             </a:r>
             <a:r>
               <a:rPr lang="zh-CN" altLang="en-US" dirty="0" smtClean="0"/>
-              <a:t>基础</a:t>
-            </a:r>
-            <a:r>
-              <a:rPr lang="zh-CN" altLang="en-US" dirty="0" smtClean="0"/>
-              <a:t>库</a:t>
+              <a:t>基础库</a:t>
             </a:r>
             <a:endParaRPr lang="zh-CN" altLang="en-US" dirty="0"/>
           </a:p>
